--- a/santacruz.pptx
+++ b/santacruz.pptx
@@ -221,7 +221,7 @@
           <a:p>
             <a:fld id="{BABE32C7-0457-CC47-92AF-7D61957598F8}" type="datetimeFigureOut">
               <a:rPr lang="en-US" smtClean="0"/>
-              <a:t>11/2/13</a:t>
+              <a:t>11/3/13</a:t>
             </a:fld>
             <a:endParaRPr lang="en-US"/>
           </a:p>
@@ -792,7 +792,7 @@
           <a:p>
             <a:fld id="{70FAA508-F0CD-46EA-95FB-26B559A0B5D9}" type="datetimeFigureOut">
               <a:rPr lang="en-US" smtClean="0"/>
-              <a:t>11/1/13</a:t>
+              <a:t>11/3/13</a:t>
             </a:fld>
             <a:endParaRPr lang="en-US"/>
           </a:p>
@@ -1113,7 +1113,7 @@
           <a:p>
             <a:fld id="{70FAA508-F0CD-46EA-95FB-26B559A0B5D9}" type="datetimeFigureOut">
               <a:rPr lang="en-US" smtClean="0"/>
-              <a:t>11/1/13</a:t>
+              <a:t>11/3/13</a:t>
             </a:fld>
             <a:endParaRPr lang="en-US"/>
           </a:p>
@@ -1390,7 +1390,7 @@
           <a:p>
             <a:fld id="{70FAA508-F0CD-46EA-95FB-26B559A0B5D9}" type="datetimeFigureOut">
               <a:rPr lang="en-US" smtClean="0"/>
-              <a:t>11/1/13</a:t>
+              <a:t>11/3/13</a:t>
             </a:fld>
             <a:endParaRPr lang="en-US"/>
           </a:p>
@@ -1684,7 +1684,7 @@
           <a:p>
             <a:fld id="{70FAA508-F0CD-46EA-95FB-26B559A0B5D9}" type="datetimeFigureOut">
               <a:rPr lang="en-US" smtClean="0"/>
-              <a:t>11/1/13</a:t>
+              <a:t>11/3/13</a:t>
             </a:fld>
             <a:endParaRPr lang="en-US"/>
           </a:p>
@@ -2013,7 +2013,7 @@
           <a:p>
             <a:fld id="{70FAA508-F0CD-46EA-95FB-26B559A0B5D9}" type="datetimeFigureOut">
               <a:rPr lang="en-US" smtClean="0"/>
-              <a:t>11/1/13</a:t>
+              <a:t>11/3/13</a:t>
             </a:fld>
             <a:endParaRPr lang="en-US"/>
           </a:p>
@@ -2264,7 +2264,7 @@
           <a:p>
             <a:fld id="{70FAA508-F0CD-46EA-95FB-26B559A0B5D9}" type="datetimeFigureOut">
               <a:rPr lang="en-US" smtClean="0"/>
-              <a:t>11/1/13</a:t>
+              <a:t>11/3/13</a:t>
             </a:fld>
             <a:endParaRPr lang="en-US"/>
           </a:p>
@@ -2443,7 +2443,7 @@
           <a:p>
             <a:fld id="{70FAA508-F0CD-46EA-95FB-26B559A0B5D9}" type="datetimeFigureOut">
               <a:rPr lang="en-US" smtClean="0"/>
-              <a:t>11/1/13</a:t>
+              <a:t>11/3/13</a:t>
             </a:fld>
             <a:endParaRPr lang="en-US"/>
           </a:p>
@@ -2612,7 +2612,7 @@
           <a:p>
             <a:fld id="{70FAA508-F0CD-46EA-95FB-26B559A0B5D9}" type="datetimeFigureOut">
               <a:rPr lang="en-US" smtClean="0"/>
-              <a:t>11/1/13</a:t>
+              <a:t>11/3/13</a:t>
             </a:fld>
             <a:endParaRPr lang="en-US"/>
           </a:p>
@@ -2881,7 +2881,7 @@
           <a:p>
             <a:fld id="{70FAA508-F0CD-46EA-95FB-26B559A0B5D9}" type="datetimeFigureOut">
               <a:rPr lang="en-US" smtClean="0"/>
-              <a:t>11/1/13</a:t>
+              <a:t>11/3/13</a:t>
             </a:fld>
             <a:endParaRPr lang="en-US"/>
           </a:p>
@@ -3188,7 +3188,7 @@
           <a:p>
             <a:fld id="{70FAA508-F0CD-46EA-95FB-26B559A0B5D9}" type="datetimeFigureOut">
               <a:rPr lang="en-US" smtClean="0"/>
-              <a:t>11/1/13</a:t>
+              <a:t>11/3/13</a:t>
             </a:fld>
             <a:endParaRPr lang="en-US"/>
           </a:p>
@@ -3480,7 +3480,7 @@
           <a:p>
             <a:fld id="{70FAA508-F0CD-46EA-95FB-26B559A0B5D9}" type="datetimeFigureOut">
               <a:rPr lang="en-US" smtClean="0"/>
-              <a:t>11/1/13</a:t>
+              <a:t>11/3/13</a:t>
             </a:fld>
             <a:endParaRPr lang="en-US"/>
           </a:p>
@@ -3910,7 +3910,7 @@
           <a:p>
             <a:fld id="{70FAA508-F0CD-46EA-95FB-26B559A0B5D9}" type="datetimeFigureOut">
               <a:rPr lang="en-US" smtClean="0"/>
-              <a:t>11/1/13</a:t>
+              <a:t>11/3/13</a:t>
             </a:fld>
             <a:endParaRPr lang="en-US"/>
           </a:p>
@@ -4256,7 +4256,7 @@
           <a:p>
             <a:fld id="{70FAA508-F0CD-46EA-95FB-26B559A0B5D9}" type="datetimeFigureOut">
               <a:rPr lang="en-US" smtClean="0"/>
-              <a:t>11/1/13</a:t>
+              <a:t>11/3/13</a:t>
             </a:fld>
             <a:endParaRPr lang="en-US"/>
           </a:p>
@@ -4346,7 +4346,7 @@
           <a:p>
             <a:fld id="{70FAA508-F0CD-46EA-95FB-26B559A0B5D9}" type="datetimeFigureOut">
               <a:rPr lang="en-US" smtClean="0"/>
-              <a:t>11/1/13</a:t>
+              <a:t>11/3/13</a:t>
             </a:fld>
             <a:endParaRPr lang="en-US"/>
           </a:p>
@@ -4683,7 +4683,7 @@
           <a:p>
             <a:fld id="{70FAA508-F0CD-46EA-95FB-26B559A0B5D9}" type="datetimeFigureOut">
               <a:rPr lang="en-US" smtClean="0"/>
-              <a:t>11/1/13</a:t>
+              <a:t>11/3/13</a:t>
             </a:fld>
             <a:endParaRPr lang="en-US"/>
           </a:p>
@@ -4895,7 +4895,7 @@
           <a:p>
             <a:fld id="{70FAA508-F0CD-46EA-95FB-26B559A0B5D9}" type="datetimeFigureOut">
               <a:rPr lang="en-US" smtClean="0"/>
-              <a:t>11/1/13</a:t>
+              <a:t>11/3/13</a:t>
             </a:fld>
             <a:endParaRPr lang="en-US"/>
           </a:p>
@@ -5476,11 +5476,7 @@
             </a:pPr>
             <a:r>
               <a:rPr lang="en-US" b="1" dirty="0" smtClean="0"/>
-              <a:t>Cindy </a:t>
-            </a:r>
-            <a:r>
-              <a:rPr lang="en-US" b="1" dirty="0" smtClean="0"/>
-              <a:t>Royal, </a:t>
+              <a:t>Cindy Royal, </a:t>
             </a:r>
             <a:r>
               <a:rPr lang="en-US" b="1" dirty="0" err="1" smtClean="0"/>
@@ -5529,11 +5525,7 @@
             </a:pPr>
             <a:r>
               <a:rPr lang="en-US" dirty="0" smtClean="0"/>
-              <a:t>cindyroyal@</a:t>
-            </a:r>
-            <a:r>
-              <a:rPr lang="en-US" dirty="0" smtClean="0"/>
-              <a:t>stanford.edu</a:t>
+              <a:t>cindyroyal@stanford.edu</a:t>
             </a:r>
           </a:p>
           <a:p>
@@ -5722,16 +5714,11 @@
               <a:rPr lang="en-US" sz="1200" b="1" dirty="0" smtClean="0"/>
               <a:t>Welcome</a:t>
             </a:r>
-            <a:endParaRPr lang="en-US" sz="1200" b="1" dirty="0" smtClean="0"/>
           </a:p>
           <a:p>
             <a:r>
               <a:rPr lang="en-US" sz="1200" dirty="0" smtClean="0"/>
-              <a:t>Cindy </a:t>
-            </a:r>
-            <a:r>
-              <a:rPr lang="en-US" sz="1200" dirty="0" smtClean="0"/>
-              <a:t>Royal is an associate professor in the School of Journalism and Mass Communication at Texas State University in San Marcos. She completed Ph.D. studies in Journalism and Mass Communication at The University of Texas at Austin in May 2005.</a:t>
+              <a:t>Cindy Royal is an associate professor in the School of Journalism and Mass Communication at Texas State University in San Marcos. She completed Ph.D. studies in Journalism and Mass Communication at The University of Texas at Austin in May 2005.</a:t>
             </a:r>
             <a:endParaRPr lang="en-US" sz="1200" dirty="0"/>
           </a:p>
@@ -5767,11 +5754,7 @@
           <a:p>
             <a:r>
               <a:rPr lang="en-US" sz="1000" dirty="0" smtClean="0"/>
-              <a:t>Web </a:t>
-            </a:r>
-            <a:r>
-              <a:rPr lang="en-US" sz="1000" dirty="0" smtClean="0"/>
-              <a:t>Design</a:t>
+              <a:t>Web Design</a:t>
             </a:r>
           </a:p>
           <a:p>
@@ -5864,11 +5847,7 @@
           <a:p>
             <a:r>
               <a:rPr lang="en-US" sz="1600" b="1" dirty="0" smtClean="0"/>
-              <a:t>Home   Resume   </a:t>
-            </a:r>
-            <a:r>
-              <a:rPr lang="en-US" sz="1600" b="1" dirty="0" smtClean="0"/>
-              <a:t>Links</a:t>
+              <a:t>Home   Resume   Links</a:t>
             </a:r>
             <a:endParaRPr lang="en-US" sz="1600" b="1" dirty="0"/>
           </a:p>
@@ -6074,16 +6053,11 @@
               <a:rPr lang="en-US" sz="1200" b="1" dirty="0" smtClean="0"/>
               <a:t>Welcome</a:t>
             </a:r>
-            <a:endParaRPr lang="en-US" sz="1200" b="1" dirty="0" smtClean="0"/>
           </a:p>
           <a:p>
             <a:r>
               <a:rPr lang="en-US" sz="1200" dirty="0" smtClean="0"/>
-              <a:t>Cindy </a:t>
-            </a:r>
-            <a:r>
-              <a:rPr lang="en-US" sz="1200" dirty="0" smtClean="0"/>
-              <a:t>Royal is an associate professor in the School of Journalism and Mass Communication at Texas State University in San Marcos. She completed Ph.D. studies in Journalism and Mass Communication at The University of Texas at Austin in May 2005.</a:t>
+              <a:t>Cindy Royal is an associate professor in the School of Journalism and Mass Communication at Texas State University in San Marcos. She completed Ph.D. studies in Journalism and Mass Communication at The University of Texas at Austin in May 2005.</a:t>
             </a:r>
             <a:endParaRPr lang="en-US" sz="1200" dirty="0"/>
           </a:p>
@@ -6119,11 +6093,7 @@
           <a:p>
             <a:r>
               <a:rPr lang="en-US" sz="1000" dirty="0" smtClean="0"/>
-              <a:t>Web </a:t>
-            </a:r>
-            <a:r>
-              <a:rPr lang="en-US" sz="1000" dirty="0" smtClean="0"/>
-              <a:t>Design</a:t>
+              <a:t>Web Design</a:t>
             </a:r>
           </a:p>
           <a:p>
@@ -6177,11 +6147,7 @@
           <a:p>
             <a:r>
               <a:rPr lang="en-US" sz="1600" b="1" dirty="0" smtClean="0"/>
-              <a:t>Home   Resume   </a:t>
-            </a:r>
-            <a:r>
-              <a:rPr lang="en-US" sz="1600" b="1" dirty="0" smtClean="0"/>
-              <a:t>Links</a:t>
+              <a:t>Home   Resume   Links</a:t>
             </a:r>
             <a:endParaRPr lang="en-US" sz="1600" b="1" dirty="0"/>
           </a:p>
@@ -7150,11 +7116,7 @@
           <a:p>
             <a:r>
               <a:rPr lang="en-US" dirty="0" smtClean="0"/>
-              <a:t>Leads </a:t>
-            </a:r>
-            <a:r>
-              <a:rPr lang="en-US" dirty="0" smtClean="0"/>
-              <a:t>digital faculty at Texas State University</a:t>
+              <a:t>Leads digital faculty at Texas State University</a:t>
             </a:r>
           </a:p>
           <a:p>
@@ -9044,11 +9006,7 @@
           <a:p>
             <a:r>
               <a:rPr lang="en-US" dirty="0" smtClean="0"/>
-              <a:t>Blog platforms and content management </a:t>
-            </a:r>
-            <a:r>
-              <a:rPr lang="en-US" dirty="0" smtClean="0"/>
-              <a:t>systems</a:t>
+              <a:t>Blog platforms and content management systems</a:t>
             </a:r>
           </a:p>
           <a:p>
@@ -9064,7 +9022,6 @@
               <a:rPr lang="en-US" dirty="0" smtClean="0"/>
               <a:t>, interactive tools </a:t>
             </a:r>
-            <a:endParaRPr lang="en-US" dirty="0" smtClean="0"/>
           </a:p>
           <a:p>
             <a:r>
@@ -9323,11 +9280,7 @@
             <a:pPr algn="ctr"/>
             <a:r>
               <a:rPr lang="en-US" sz="1200" dirty="0" smtClean="0"/>
-              <a:t>Cindy </a:t>
-            </a:r>
-            <a:r>
-              <a:rPr lang="en-US" sz="1200" dirty="0" smtClean="0"/>
-              <a:t>Royal is an associate professor in the School of Journalism and Mass Communication at Texas State University in San Marcos. She completed Ph.D. studies in Journalism and Mass Communication at The University of Texas at Austin in May 2005.</a:t>
+              <a:t>Cindy Royal is an associate professor in the School of Journalism and Mass Communication at Texas State University in San Marcos. She completed Ph.D. studies in Journalism and Mass Communication at The University of Texas at Austin in May 2005.</a:t>
             </a:r>
             <a:endParaRPr lang="en-US" sz="1200" dirty="0"/>
           </a:p>
@@ -9360,7 +9313,6 @@
               <a:rPr lang="en-US" sz="1000" b="1" dirty="0" smtClean="0"/>
               <a:t>Courses</a:t>
             </a:r>
-            <a:endParaRPr lang="en-US" sz="1000" b="1" dirty="0" smtClean="0"/>
           </a:p>
           <a:p>
             <a:pPr algn="ctr"/>
@@ -9464,11 +9416,7 @@
             <a:pPr algn="ctr"/>
             <a:r>
               <a:rPr lang="en-US" sz="1600" b="1" dirty="0" smtClean="0"/>
-              <a:t>Home   Resume   </a:t>
-            </a:r>
-            <a:r>
-              <a:rPr lang="en-US" sz="1600" b="1" dirty="0" smtClean="0"/>
-              <a:t>Links</a:t>
+              <a:t>Home   Resume   Links</a:t>
             </a:r>
             <a:endParaRPr lang="en-US" sz="1600" b="1" dirty="0"/>
           </a:p>
@@ -9575,11 +9523,7 @@
           <a:p>
             <a:r>
               <a:rPr lang="en-US" sz="1200" dirty="0" smtClean="0"/>
-              <a:t>Cindy </a:t>
-            </a:r>
-            <a:r>
-              <a:rPr lang="en-US" sz="1200" dirty="0" smtClean="0"/>
-              <a:t>Royal is an associate professor in the School of Journalism and Mass Communication at Texas State University in San Marcos. She completed Ph.D. studies in Journalism and Mass Communication at The University of Texas at Austin in May 2005.</a:t>
+              <a:t>Cindy Royal is an associate professor in the School of Journalism and Mass Communication at Texas State University in San Marcos. She completed Ph.D. studies in Journalism and Mass Communication at The University of Texas at Austin in May 2005.</a:t>
             </a:r>
             <a:endParaRPr lang="en-US" sz="1200" dirty="0"/>
           </a:p>
@@ -9611,7 +9555,6 @@
               <a:rPr lang="en-US" sz="1000" b="1" dirty="0" smtClean="0"/>
               <a:t>Courses</a:t>
             </a:r>
-            <a:endParaRPr lang="en-US" sz="1000" b="1" dirty="0" smtClean="0"/>
           </a:p>
           <a:p>
             <a:r>
@@ -9709,11 +9652,7 @@
           <a:p>
             <a:r>
               <a:rPr lang="en-US" sz="1600" b="1" dirty="0" smtClean="0"/>
-              <a:t>Home   Resume   </a:t>
-            </a:r>
-            <a:r>
-              <a:rPr lang="en-US" sz="1600" b="1" dirty="0" smtClean="0"/>
-              <a:t>Links</a:t>
+              <a:t>Home   Resume   Links</a:t>
             </a:r>
             <a:endParaRPr lang="en-US" sz="1600" b="1" dirty="0"/>
           </a:p>
@@ -9869,7 +9808,6 @@
               <a:rPr lang="en-US" dirty="0" smtClean="0"/>
               <a:t>Logo/Graphics</a:t>
             </a:r>
-            <a:endParaRPr lang="en-US" dirty="0" smtClean="0"/>
           </a:p>
           <a:p>
             <a:r>
@@ -9957,11 +9895,7 @@
           <a:p>
             <a:r>
               <a:rPr lang="en-US" sz="1200" dirty="0" smtClean="0"/>
-              <a:t>Cindy </a:t>
-            </a:r>
-            <a:r>
-              <a:rPr lang="en-US" sz="1200" dirty="0" smtClean="0"/>
-              <a:t>Royal is an associate professor in the School of Journalism and Mass Communication at Texas State University in San Marcos. She completed Ph.D. studies in Journalism and Mass Communication at The University of Texas at Austin in May 2005.</a:t>
+              <a:t>Cindy Royal is an associate professor in the School of Journalism and Mass Communication at Texas State University in San Marcos. She completed Ph.D. studies in Journalism and Mass Communication at The University of Texas at Austin in May 2005.</a:t>
             </a:r>
             <a:endParaRPr lang="en-US" sz="1200" dirty="0"/>
           </a:p>
@@ -9993,7 +9927,6 @@
               <a:rPr lang="en-US" sz="1000" b="1" dirty="0" smtClean="0"/>
               <a:t>Courses</a:t>
             </a:r>
-            <a:endParaRPr lang="en-US" sz="1000" b="1" dirty="0" smtClean="0"/>
           </a:p>
           <a:p>
             <a:r>
@@ -10091,11 +10024,7 @@
           <a:p>
             <a:r>
               <a:rPr lang="en-US" sz="1600" b="1" dirty="0" smtClean="0"/>
-              <a:t>Home   Resume   </a:t>
-            </a:r>
-            <a:r>
-              <a:rPr lang="en-US" sz="1600" b="1" dirty="0" smtClean="0"/>
-              <a:t>Links</a:t>
+              <a:t>Home   Resume   Links</a:t>
             </a:r>
             <a:endParaRPr lang="en-US" sz="1600" b="1" dirty="0"/>
           </a:p>
@@ -10337,11 +10266,7 @@
           <a:p>
             <a:r>
               <a:rPr lang="en-US" sz="1200" dirty="0" smtClean="0"/>
-              <a:t>Cindy </a:t>
-            </a:r>
-            <a:r>
-              <a:rPr lang="en-US" sz="1200" dirty="0" smtClean="0"/>
-              <a:t>Royal is an associate professor in the School of Journalism and Mass Communication at Texas State University in San Marcos. She completed Ph.D. studies in Journalism and Mass Communication at The University of Texas at Austin in May 2005.</a:t>
+              <a:t>Cindy Royal is an associate professor in the School of Journalism and Mass Communication at Texas State University in San Marcos. She completed Ph.D. studies in Journalism and Mass Communication at The University of Texas at Austin in May 2005.</a:t>
             </a:r>
             <a:endParaRPr lang="en-US" sz="1200" dirty="0"/>
           </a:p>
@@ -10373,7 +10298,6 @@
               <a:rPr lang="en-US" sz="1000" b="1" dirty="0" smtClean="0"/>
               <a:t>Courses</a:t>
             </a:r>
-            <a:endParaRPr lang="en-US" sz="1000" b="1" dirty="0" smtClean="0"/>
           </a:p>
           <a:p>
             <a:r>
@@ -10471,11 +10395,7 @@
           <a:p>
             <a:r>
               <a:rPr lang="en-US" sz="1600" b="1" dirty="0" smtClean="0"/>
-              <a:t>Home   Resume   </a:t>
-            </a:r>
-            <a:r>
-              <a:rPr lang="en-US" sz="1600" b="1" dirty="0" smtClean="0"/>
-              <a:t>Links</a:t>
+              <a:t>Home   Resume   Links</a:t>
             </a:r>
             <a:endParaRPr lang="en-US" sz="1600" b="1" dirty="0"/>
           </a:p>
@@ -10759,14 +10679,6 @@
                 </a:solidFill>
               </a:rPr>
               <a:t>Home   </a:t>
-            </a:r>
-            <a:r>
-              <a:rPr lang="en-US" sz="1600" b="1" dirty="0" smtClean="0">
-                <a:solidFill>
-                  <a:schemeClr val="bg1"/>
-                </a:solidFill>
-              </a:rPr>
-              <a:t/>
             </a:r>
             <a:br>
               <a:rPr lang="en-US" sz="1600" b="1" dirty="0" smtClean="0">
@@ -11142,7 +11054,6 @@
               <a:rPr lang="en-US" sz="1200" b="1" dirty="0" smtClean="0"/>
               <a:t>Welcome</a:t>
             </a:r>
-            <a:endParaRPr lang="en-US" sz="1200" b="1" dirty="0" smtClean="0"/>
           </a:p>
           <a:p>
             <a:endParaRPr lang="en-US" sz="1200" dirty="0" smtClean="0"/>
@@ -11150,11 +11061,7 @@
           <a:p>
             <a:r>
               <a:rPr lang="en-US" sz="1200" dirty="0" smtClean="0"/>
-              <a:t>Cindy </a:t>
-            </a:r>
-            <a:r>
-              <a:rPr lang="en-US" sz="1200" dirty="0" smtClean="0"/>
-              <a:t>Royal is an associate professor in the School of Journalism and Mass Communication at Texas State University in San Marcos. She completed Ph.D. studies in Journalism and Mass Communication at The University of Texas at Austin in May 2005.</a:t>
+              <a:t>Cindy Royal is an associate professor in the School of Journalism and Mass Communication at Texas State University in San Marcos. She completed Ph.D. studies in Journalism and Mass Communication at The University of Texas at Austin in May 2005.</a:t>
             </a:r>
             <a:endParaRPr lang="en-US" sz="1200" dirty="0"/>
           </a:p>
@@ -11286,11 +11193,7 @@
           <a:p>
             <a:r>
               <a:rPr lang="en-US" sz="1600" b="1" dirty="0" smtClean="0"/>
-              <a:t>Home   Resume   </a:t>
-            </a:r>
-            <a:r>
-              <a:rPr lang="en-US" sz="1600" b="1" dirty="0" smtClean="0"/>
-              <a:t>Links</a:t>
+              <a:t>Home   Resume   Links</a:t>
             </a:r>
             <a:endParaRPr lang="en-US" sz="1600" b="1" dirty="0"/>
           </a:p>
